--- a/Home Credit Risk.pptx
+++ b/Home Credit Risk.pptx
@@ -20,30 +20,31 @@
     <p:sldId id="265" r:id="rId16"/>
     <p:sldId id="266" r:id="rId17"/>
     <p:sldId id="267" r:id="rId18"/>
+    <p:sldId id="268" r:id="rId19"/>
   </p:sldIdLst>
   <p:sldSz cy="5143500" cx="9144000"/>
   <p:notesSz cx="6858000" cy="9144000"/>
   <p:embeddedFontLst>
     <p:embeddedFont>
       <p:font typeface="Raleway"/>
-      <p:regular r:id="rId19"/>
-      <p:bold r:id="rId20"/>
-      <p:italic r:id="rId21"/>
-      <p:boldItalic r:id="rId22"/>
+      <p:regular r:id="rId20"/>
+      <p:bold r:id="rId21"/>
+      <p:italic r:id="rId22"/>
+      <p:boldItalic r:id="rId23"/>
     </p:embeddedFont>
     <p:embeddedFont>
       <p:font typeface="Lato"/>
-      <p:regular r:id="rId23"/>
-      <p:bold r:id="rId24"/>
-      <p:italic r:id="rId25"/>
-      <p:boldItalic r:id="rId26"/>
+      <p:regular r:id="rId24"/>
+      <p:bold r:id="rId25"/>
+      <p:italic r:id="rId26"/>
+      <p:boldItalic r:id="rId27"/>
     </p:embeddedFont>
     <p:embeddedFont>
       <p:font typeface="Montserrat"/>
-      <p:regular r:id="rId27"/>
-      <p:bold r:id="rId28"/>
-      <p:italic r:id="rId29"/>
-      <p:boldItalic r:id="rId30"/>
+      <p:regular r:id="rId28"/>
+      <p:bold r:id="rId29"/>
+      <p:italic r:id="rId30"/>
+      <p:boldItalic r:id="rId31"/>
     </p:embeddedFont>
   </p:embeddedFontLst>
   <p:defaultTextStyle>
@@ -838,7 +839,7 @@
       </p:grpSpPr>
       <p:sp>
         <p:nvSpPr>
-          <p:cNvPr id="137" name="Google Shape;137;g740dbe1e5d_0_0:notes"/>
+          <p:cNvPr id="137" name="Google Shape;137;g65c21ffea7_0_317:notes"/>
           <p:cNvSpPr/>
           <p:nvPr>
             <p:ph idx="2" type="sldImg"/>
@@ -873,7 +874,7 @@
       </p:sp>
       <p:sp>
         <p:nvSpPr>
-          <p:cNvPr id="138" name="Google Shape;138;g740dbe1e5d_0_0:notes"/>
+          <p:cNvPr id="138" name="Google Shape;138;g65c21ffea7_0_317:notes"/>
           <p:cNvSpPr txBox="1"/>
           <p:nvPr>
             <p:ph idx="1" type="body"/>
@@ -923,7 +924,7 @@
   <p:cSld>
     <p:spTree>
       <p:nvGrpSpPr>
-        <p:cNvPr id="145" name="Shape 145"/>
+        <p:cNvPr id="142" name="Shape 142"/>
         <p:cNvGrpSpPr/>
         <p:nvPr/>
       </p:nvGrpSpPr>
@@ -937,7 +938,7 @@
       </p:grpSpPr>
       <p:sp>
         <p:nvSpPr>
-          <p:cNvPr id="146" name="Google Shape;146;g740dbe1e5d_0_6:notes"/>
+          <p:cNvPr id="143" name="Google Shape;143;g740dbe1e5d_0_0:notes"/>
           <p:cNvSpPr/>
           <p:nvPr>
             <p:ph idx="2" type="sldImg"/>
@@ -972,7 +973,7 @@
       </p:sp>
       <p:sp>
         <p:nvSpPr>
-          <p:cNvPr id="147" name="Google Shape;147;g740dbe1e5d_0_6:notes"/>
+          <p:cNvPr id="144" name="Google Shape;144;g740dbe1e5d_0_0:notes"/>
           <p:cNvSpPr txBox="1"/>
           <p:nvPr>
             <p:ph idx="1" type="body"/>
@@ -1022,7 +1023,7 @@
   <p:cSld>
     <p:spTree>
       <p:nvGrpSpPr>
-        <p:cNvPr id="154" name="Shape 154"/>
+        <p:cNvPr id="151" name="Shape 151"/>
         <p:cNvGrpSpPr/>
         <p:nvPr/>
       </p:nvGrpSpPr>
@@ -1036,7 +1037,7 @@
       </p:grpSpPr>
       <p:sp>
         <p:nvSpPr>
-          <p:cNvPr id="155" name="Google Shape;155;g65ca93cf8e_0_0:notes"/>
+          <p:cNvPr id="152" name="Google Shape;152;g740dbe1e5d_0_6:notes"/>
           <p:cNvSpPr/>
           <p:nvPr>
             <p:ph idx="2" type="sldImg"/>
@@ -1071,7 +1072,106 @@
       </p:sp>
       <p:sp>
         <p:nvSpPr>
-          <p:cNvPr id="156" name="Google Shape;156;g65ca93cf8e_0_0:notes"/>
+          <p:cNvPr id="153" name="Google Shape;153;g740dbe1e5d_0_6:notes"/>
+          <p:cNvSpPr txBox="1"/>
+          <p:nvPr>
+            <p:ph idx="1" type="body"/>
+          </p:nvPr>
+        </p:nvSpPr>
+        <p:spPr>
+          <a:xfrm>
+            <a:off x="685800" y="4343400"/>
+            <a:ext cx="5486400" cy="4114800"/>
+          </a:xfrm>
+          <a:prstGeom prst="rect">
+            <a:avLst/>
+          </a:prstGeom>
+        </p:spPr>
+        <p:txBody>
+          <a:bodyPr anchorCtr="0" anchor="t" bIns="91425" lIns="91425" spcFirstLastPara="1" rIns="91425" wrap="square" tIns="91425">
+            <a:noAutofit/>
+          </a:bodyPr>
+          <a:lstStyle/>
+          <a:p>
+            <a:pPr indent="0" lvl="0" marL="0" rtl="0" algn="l">
+              <a:spcBef>
+                <a:spcPts val="0"/>
+              </a:spcBef>
+              <a:spcAft>
+                <a:spcPts val="0"/>
+              </a:spcAft>
+              <a:buNone/>
+            </a:pPr>
+            <a:r>
+              <a:t/>
+            </a:r>
+            <a:endParaRPr/>
+          </a:p>
+        </p:txBody>
+      </p:sp>
+    </p:spTree>
+  </p:cSld>
+  <p:clrMapOvr>
+    <a:masterClrMapping/>
+  </p:clrMapOvr>
+</p:notes>
+</file>
+
+<file path=ppt/notesSlides/notesSlide13.xml><?xml version="1.0" encoding="utf-8"?>
+<p:notes xmlns:a="http://schemas.openxmlformats.org/drawingml/2006/main" xmlns:r="http://schemas.openxmlformats.org/officeDocument/2006/relationships" xmlns:mc="http://schemas.openxmlformats.org/markup-compatibility/2006" xmlns:mv="urn:schemas-microsoft-com:mac:vml" xmlns:p="http://schemas.openxmlformats.org/presentationml/2006/main" xmlns:c="http://schemas.openxmlformats.org/drawingml/2006/chart" xmlns:dgm="http://schemas.openxmlformats.org/drawingml/2006/diagram" xmlns:o="urn:schemas-microsoft-com:office:office" xmlns:v="urn:schemas-microsoft-com:vml" xmlns:pvml="urn:schemas-microsoft-com:office:powerpoint" xmlns:com="http://schemas.openxmlformats.org/drawingml/2006/compatibility" xmlns:p14="http://schemas.microsoft.com/office/powerpoint/2010/main" xmlns:p15="http://schemas.microsoft.com/office/powerpoint/2012/main" showMasterPhAnim="0" showMasterSp="0">
+  <p:cSld>
+    <p:spTree>
+      <p:nvGrpSpPr>
+        <p:cNvPr id="160" name="Shape 160"/>
+        <p:cNvGrpSpPr/>
+        <p:nvPr/>
+      </p:nvGrpSpPr>
+      <p:grpSpPr>
+        <a:xfrm>
+          <a:off x="0" y="0"/>
+          <a:ext cx="0" cy="0"/>
+          <a:chOff x="0" y="0"/>
+          <a:chExt cx="0" cy="0"/>
+        </a:xfrm>
+      </p:grpSpPr>
+      <p:sp>
+        <p:nvSpPr>
+          <p:cNvPr id="161" name="Google Shape;161;g65ca93cf8e_0_0:notes"/>
+          <p:cNvSpPr/>
+          <p:nvPr>
+            <p:ph idx="2" type="sldImg"/>
+          </p:nvPr>
+        </p:nvSpPr>
+        <p:spPr>
+          <a:xfrm>
+            <a:off x="381300" y="685800"/>
+            <a:ext cx="6096000" cy="3429000"/>
+          </a:xfrm>
+          <a:custGeom>
+            <a:rect b="b" l="l" r="r" t="t"/>
+            <a:pathLst>
+              <a:path extrusionOk="0" h="120000" w="120000">
+                <a:moveTo>
+                  <a:pt x="0" y="0"/>
+                </a:moveTo>
+                <a:lnTo>
+                  <a:pt x="120000" y="0"/>
+                </a:lnTo>
+                <a:lnTo>
+                  <a:pt x="120000" y="120000"/>
+                </a:lnTo>
+                <a:lnTo>
+                  <a:pt x="0" y="120000"/>
+                </a:lnTo>
+                <a:close/>
+              </a:path>
+            </a:pathLst>
+          </a:custGeom>
+        </p:spPr>
+      </p:sp>
+      <p:sp>
+        <p:nvSpPr>
+          <p:cNvPr id="162" name="Google Shape;162;g65ca93cf8e_0_0:notes"/>
           <p:cNvSpPr txBox="1"/>
           <p:nvPr>
             <p:ph idx="1" type="body"/>
@@ -1531,7 +1631,7 @@
       </p:grpSpPr>
       <p:sp>
         <p:nvSpPr>
-          <p:cNvPr id="111" name="Google Shape;111;g6ae4f5999d_0_10:notes"/>
+          <p:cNvPr id="111" name="Google Shape;111;g740dbe1e5d_0_32:notes"/>
           <p:cNvSpPr/>
           <p:nvPr>
             <p:ph idx="2" type="sldImg"/>
@@ -1566,7 +1666,7 @@
       </p:sp>
       <p:sp>
         <p:nvSpPr>
-          <p:cNvPr id="112" name="Google Shape;112;g6ae4f5999d_0_10:notes"/>
+          <p:cNvPr id="112" name="Google Shape;112;g740dbe1e5d_0_32:notes"/>
           <p:cNvSpPr txBox="1"/>
           <p:nvPr>
             <p:ph idx="1" type="body"/>
@@ -1597,7 +1697,8 @@
               <a:buNone/>
             </a:pPr>
             <a:r>
-              <a:t/>
+              <a:rPr lang="en"/>
+              <a:t>Optimization is basically done by changing the data types according to min-max values in the columns.</a:t>
             </a:r>
             <a:endParaRPr/>
           </a:p>
@@ -1616,7 +1717,7 @@
   <p:cSld>
     <p:spTree>
       <p:nvGrpSpPr>
-        <p:cNvPr id="117" name="Shape 117"/>
+        <p:cNvPr id="116" name="Shape 116"/>
         <p:cNvGrpSpPr/>
         <p:nvPr/>
       </p:nvGrpSpPr>
@@ -1630,7 +1731,7 @@
       </p:grpSpPr>
       <p:sp>
         <p:nvSpPr>
-          <p:cNvPr id="118" name="Google Shape;118;g6ae4f5999d_0_15:notes"/>
+          <p:cNvPr id="117" name="Google Shape;117;g6ae4f5999d_0_10:notes"/>
           <p:cNvSpPr/>
           <p:nvPr>
             <p:ph idx="2" type="sldImg"/>
@@ -1665,7 +1766,7 @@
       </p:sp>
       <p:sp>
         <p:nvSpPr>
-          <p:cNvPr id="119" name="Google Shape;119;g6ae4f5999d_0_15:notes"/>
+          <p:cNvPr id="118" name="Google Shape;118;g6ae4f5999d_0_10:notes"/>
           <p:cNvSpPr txBox="1"/>
           <p:nvPr>
             <p:ph idx="1" type="body"/>
@@ -1715,7 +1816,7 @@
   <p:cSld>
     <p:spTree>
       <p:nvGrpSpPr>
-        <p:cNvPr id="124" name="Shape 124"/>
+        <p:cNvPr id="123" name="Shape 123"/>
         <p:cNvGrpSpPr/>
         <p:nvPr/>
       </p:nvGrpSpPr>
@@ -1729,7 +1830,7 @@
       </p:grpSpPr>
       <p:sp>
         <p:nvSpPr>
-          <p:cNvPr id="125" name="Google Shape;125;g6ae4f5999d_0_20:notes"/>
+          <p:cNvPr id="124" name="Google Shape;124;g6ae4f5999d_0_15:notes"/>
           <p:cNvSpPr/>
           <p:nvPr>
             <p:ph idx="2" type="sldImg"/>
@@ -1764,7 +1865,7 @@
       </p:sp>
       <p:sp>
         <p:nvSpPr>
-          <p:cNvPr id="126" name="Google Shape;126;g6ae4f5999d_0_20:notes"/>
+          <p:cNvPr id="125" name="Google Shape;125;g6ae4f5999d_0_15:notes"/>
           <p:cNvSpPr txBox="1"/>
           <p:nvPr>
             <p:ph idx="1" type="body"/>
@@ -1828,7 +1929,7 @@
       </p:grpSpPr>
       <p:sp>
         <p:nvSpPr>
-          <p:cNvPr id="131" name="Google Shape;131;g65c21ffea7_0_317:notes"/>
+          <p:cNvPr id="131" name="Google Shape;131;g6ae4f5999d_0_20:notes"/>
           <p:cNvSpPr/>
           <p:nvPr>
             <p:ph idx="2" type="sldImg"/>
@@ -1863,7 +1964,7 @@
       </p:sp>
       <p:sp>
         <p:nvSpPr>
-          <p:cNvPr id="132" name="Google Shape;132;g65c21ffea7_0_317:notes"/>
+          <p:cNvPr id="132" name="Google Shape;132;g6ae4f5999d_0_20:notes"/>
           <p:cNvSpPr txBox="1"/>
           <p:nvPr>
             <p:ph idx="1" type="body"/>
@@ -8624,6 +8725,99 @@
           </a:bodyPr>
           <a:lstStyle/>
           <a:p>
+            <a:pPr indent="0" lvl="0" marL="0" rtl="0" algn="ctr">
+              <a:spcBef>
+                <a:spcPts val="0"/>
+              </a:spcBef>
+              <a:spcAft>
+                <a:spcPts val="0"/>
+              </a:spcAft>
+              <a:buNone/>
+            </a:pPr>
+            <a:r>
+              <a:rPr lang="en"/>
+              <a:t>Feature Importance</a:t>
+            </a:r>
+            <a:endParaRPr/>
+          </a:p>
+        </p:txBody>
+      </p:sp>
+      <p:pic>
+        <p:nvPicPr>
+          <p:cNvPr id="141" name="Google Shape;141;p22"/>
+          <p:cNvPicPr preferRelativeResize="0"/>
+          <p:nvPr/>
+        </p:nvPicPr>
+        <p:blipFill>
+          <a:blip r:embed="rId3">
+            <a:alphaModFix/>
+          </a:blip>
+          <a:stretch>
+            <a:fillRect/>
+          </a:stretch>
+        </p:blipFill>
+        <p:spPr>
+          <a:xfrm>
+            <a:off x="1248075" y="2009275"/>
+            <a:ext cx="6491100" cy="2749175"/>
+          </a:xfrm>
+          <a:prstGeom prst="rect">
+            <a:avLst/>
+          </a:prstGeom>
+          <a:noFill/>
+          <a:ln>
+            <a:noFill/>
+          </a:ln>
+        </p:spPr>
+      </p:pic>
+    </p:spTree>
+  </p:cSld>
+  <p:clrMapOvr>
+    <a:masterClrMapping/>
+  </p:clrMapOvr>
+</p:sld>
+</file>
+
+<file path=ppt/slides/slide11.xml><?xml version="1.0" encoding="utf-8"?>
+<p:sld xmlns:a="http://schemas.openxmlformats.org/drawingml/2006/main" xmlns:r="http://schemas.openxmlformats.org/officeDocument/2006/relationships" xmlns:mc="http://schemas.openxmlformats.org/markup-compatibility/2006" xmlns:mv="urn:schemas-microsoft-com:mac:vml" xmlns:p="http://schemas.openxmlformats.org/presentationml/2006/main" xmlns:c="http://schemas.openxmlformats.org/drawingml/2006/chart" xmlns:dgm="http://schemas.openxmlformats.org/drawingml/2006/diagram" xmlns:o="urn:schemas-microsoft-com:office:office" xmlns:v="urn:schemas-microsoft-com:vml" xmlns:pvml="urn:schemas-microsoft-com:office:powerpoint" xmlns:com="http://schemas.openxmlformats.org/drawingml/2006/compatibility" xmlns:p14="http://schemas.microsoft.com/office/powerpoint/2010/main" xmlns:p15="http://schemas.microsoft.com/office/powerpoint/2012/main">
+  <p:cSld>
+    <p:spTree>
+      <p:nvGrpSpPr>
+        <p:cNvPr id="145" name="Shape 145"/>
+        <p:cNvGrpSpPr/>
+        <p:nvPr/>
+      </p:nvGrpSpPr>
+      <p:grpSpPr>
+        <a:xfrm>
+          <a:off x="0" y="0"/>
+          <a:ext cx="0" cy="0"/>
+          <a:chOff x="0" y="0"/>
+          <a:chExt cx="0" cy="0"/>
+        </a:xfrm>
+      </p:grpSpPr>
+      <p:sp>
+        <p:nvSpPr>
+          <p:cNvPr id="146" name="Google Shape;146;p23"/>
+          <p:cNvSpPr txBox="1"/>
+          <p:nvPr>
+            <p:ph type="title"/>
+          </p:nvPr>
+        </p:nvSpPr>
+        <p:spPr>
+          <a:xfrm>
+            <a:off x="729450" y="1318650"/>
+            <a:ext cx="7688700" cy="535200"/>
+          </a:xfrm>
+          <a:prstGeom prst="rect">
+            <a:avLst/>
+          </a:prstGeom>
+        </p:spPr>
+        <p:txBody>
+          <a:bodyPr anchorCtr="0" anchor="t" bIns="91425" lIns="91425" spcFirstLastPara="1" rIns="91425" wrap="square" tIns="91425">
+            <a:noAutofit/>
+          </a:bodyPr>
+          <a:lstStyle/>
+          <a:p>
             <a:pPr indent="0" lvl="0" marL="0" rtl="0" algn="l">
               <a:spcBef>
                 <a:spcPts val="0"/>
@@ -8643,39 +8837,12 @@
       </p:sp>
       <p:pic>
         <p:nvPicPr>
-          <p:cNvPr id="141" name="Google Shape;141;p22"/>
+          <p:cNvPr id="147" name="Google Shape;147;p23"/>
           <p:cNvPicPr preferRelativeResize="0"/>
           <p:nvPr/>
         </p:nvPicPr>
         <p:blipFill rotWithShape="1">
           <a:blip r:embed="rId3">
-            <a:alphaModFix/>
-          </a:blip>
-          <a:srcRect b="18415" l="5243" r="50436" t="40004"/>
-          <a:stretch/>
-        </p:blipFill>
-        <p:spPr>
-          <a:xfrm>
-            <a:off x="488875" y="2071150"/>
-            <a:ext cx="3909048" cy="2533175"/>
-          </a:xfrm>
-          <a:prstGeom prst="rect">
-            <a:avLst/>
-          </a:prstGeom>
-          <a:noFill/>
-          <a:ln>
-            <a:noFill/>
-          </a:ln>
-        </p:spPr>
-      </p:pic>
-      <p:pic>
-        <p:nvPicPr>
-          <p:cNvPr id="142" name="Google Shape;142;p22"/>
-          <p:cNvPicPr preferRelativeResize="0"/>
-          <p:nvPr/>
-        </p:nvPicPr>
-        <p:blipFill rotWithShape="1">
-          <a:blip r:embed="rId4">
             <a:alphaModFix/>
           </a:blip>
           <a:srcRect b="2943" l="5323" r="50647" t="54213"/>
@@ -8684,7 +8851,7 @@
         <p:spPr>
           <a:xfrm>
             <a:off x="4674850" y="2071150"/>
-            <a:ext cx="3843274" cy="2533175"/>
+            <a:ext cx="3952248" cy="2533175"/>
           </a:xfrm>
           <a:prstGeom prst="rect">
             <a:avLst/>
@@ -8697,7 +8864,7 @@
       </p:pic>
       <p:sp>
         <p:nvSpPr>
-          <p:cNvPr id="143" name="Google Shape;143;p22"/>
+          <p:cNvPr id="148" name="Google Shape;148;p23"/>
           <p:cNvSpPr txBox="1"/>
           <p:nvPr/>
         </p:nvSpPr>
@@ -8769,7 +8936,7 @@
       </p:sp>
       <p:sp>
         <p:nvSpPr>
-          <p:cNvPr id="144" name="Google Shape;144;p22"/>
+          <p:cNvPr id="149" name="Google Shape;149;p23"/>
           <p:cNvSpPr txBox="1"/>
           <p:nvPr/>
         </p:nvSpPr>
@@ -8777,6 +8944,256 @@
           <a:xfrm>
             <a:off x="5530150" y="4728325"/>
             <a:ext cx="1947300" cy="222900"/>
+          </a:xfrm>
+          <a:prstGeom prst="rect">
+            <a:avLst/>
+          </a:prstGeom>
+          <a:noFill/>
+          <a:ln>
+            <a:noFill/>
+          </a:ln>
+        </p:spPr>
+        <p:txBody>
+          <a:bodyPr anchorCtr="0" anchor="t" bIns="91425" lIns="91425" spcFirstLastPara="1" rIns="91425" wrap="square" tIns="91425">
+            <a:noAutofit/>
+          </a:bodyPr>
+          <a:lstStyle/>
+          <a:p>
+            <a:pPr indent="0" lvl="0" marL="0" rtl="0" algn="l">
+              <a:spcBef>
+                <a:spcPts val="0"/>
+              </a:spcBef>
+              <a:spcAft>
+                <a:spcPts val="0"/>
+              </a:spcAft>
+              <a:buNone/>
+            </a:pPr>
+            <a:r>
+              <a:rPr lang="en">
+                <a:latin typeface="Lato"/>
+                <a:ea typeface="Lato"/>
+                <a:cs typeface="Lato"/>
+                <a:sym typeface="Lato"/>
+              </a:rPr>
+              <a:t>With 20 features</a:t>
+            </a:r>
+            <a:endParaRPr>
+              <a:latin typeface="Lato"/>
+              <a:ea typeface="Lato"/>
+              <a:cs typeface="Lato"/>
+              <a:sym typeface="Lato"/>
+            </a:endParaRPr>
+          </a:p>
+        </p:txBody>
+      </p:sp>
+      <p:pic>
+        <p:nvPicPr>
+          <p:cNvPr id="150" name="Google Shape;150;p23"/>
+          <p:cNvPicPr preferRelativeResize="0"/>
+          <p:nvPr/>
+        </p:nvPicPr>
+        <p:blipFill rotWithShape="1">
+          <a:blip r:embed="rId4">
+            <a:alphaModFix/>
+          </a:blip>
+          <a:srcRect b="2488" l="4777" r="48196" t="51684"/>
+          <a:stretch/>
+        </p:blipFill>
+        <p:spPr>
+          <a:xfrm>
+            <a:off x="554100" y="2071150"/>
+            <a:ext cx="3952248" cy="2533175"/>
+          </a:xfrm>
+          <a:prstGeom prst="rect">
+            <a:avLst/>
+          </a:prstGeom>
+          <a:noFill/>
+          <a:ln>
+            <a:noFill/>
+          </a:ln>
+        </p:spPr>
+      </p:pic>
+    </p:spTree>
+  </p:cSld>
+  <p:clrMapOvr>
+    <a:masterClrMapping/>
+  </p:clrMapOvr>
+</p:sld>
+</file>
+
+<file path=ppt/slides/slide12.xml><?xml version="1.0" encoding="utf-8"?>
+<p:sld xmlns:a="http://schemas.openxmlformats.org/drawingml/2006/main" xmlns:r="http://schemas.openxmlformats.org/officeDocument/2006/relationships" xmlns:mc="http://schemas.openxmlformats.org/markup-compatibility/2006" xmlns:mv="urn:schemas-microsoft-com:mac:vml" xmlns:p="http://schemas.openxmlformats.org/presentationml/2006/main" xmlns:c="http://schemas.openxmlformats.org/drawingml/2006/chart" xmlns:dgm="http://schemas.openxmlformats.org/drawingml/2006/diagram" xmlns:o="urn:schemas-microsoft-com:office:office" xmlns:v="urn:schemas-microsoft-com:vml" xmlns:pvml="urn:schemas-microsoft-com:office:powerpoint" xmlns:com="http://schemas.openxmlformats.org/drawingml/2006/compatibility" xmlns:p14="http://schemas.microsoft.com/office/powerpoint/2010/main" xmlns:p15="http://schemas.microsoft.com/office/powerpoint/2012/main">
+  <p:cSld>
+    <p:spTree>
+      <p:nvGrpSpPr>
+        <p:cNvPr id="154" name="Shape 154"/>
+        <p:cNvGrpSpPr/>
+        <p:nvPr/>
+      </p:nvGrpSpPr>
+      <p:grpSpPr>
+        <a:xfrm>
+          <a:off x="0" y="0"/>
+          <a:ext cx="0" cy="0"/>
+          <a:chOff x="0" y="0"/>
+          <a:chExt cx="0" cy="0"/>
+        </a:xfrm>
+      </p:grpSpPr>
+      <p:sp>
+        <p:nvSpPr>
+          <p:cNvPr id="155" name="Google Shape;155;p24"/>
+          <p:cNvSpPr txBox="1"/>
+          <p:nvPr>
+            <p:ph type="title"/>
+          </p:nvPr>
+        </p:nvSpPr>
+        <p:spPr>
+          <a:xfrm>
+            <a:off x="729450" y="1318650"/>
+            <a:ext cx="7688700" cy="535200"/>
+          </a:xfrm>
+          <a:prstGeom prst="rect">
+            <a:avLst/>
+          </a:prstGeom>
+        </p:spPr>
+        <p:txBody>
+          <a:bodyPr anchorCtr="0" anchor="t" bIns="91425" lIns="91425" spcFirstLastPara="1" rIns="91425" wrap="square" tIns="91425">
+            <a:noAutofit/>
+          </a:bodyPr>
+          <a:lstStyle/>
+          <a:p>
+            <a:pPr indent="0" lvl="0" marL="0" rtl="0" algn="l">
+              <a:spcBef>
+                <a:spcPts val="0"/>
+              </a:spcBef>
+              <a:spcAft>
+                <a:spcPts val="0"/>
+              </a:spcAft>
+              <a:buNone/>
+            </a:pPr>
+            <a:r>
+              <a:rPr lang="en"/>
+              <a:t>Results For Random Forest</a:t>
+            </a:r>
+            <a:endParaRPr/>
+          </a:p>
+        </p:txBody>
+      </p:sp>
+      <p:pic>
+        <p:nvPicPr>
+          <p:cNvPr id="156" name="Google Shape;156;p24"/>
+          <p:cNvPicPr preferRelativeResize="0"/>
+          <p:nvPr/>
+        </p:nvPicPr>
+        <p:blipFill rotWithShape="1">
+          <a:blip r:embed="rId3">
+            <a:alphaModFix/>
+          </a:blip>
+          <a:srcRect b="20277" l="5370" r="52708" t="38366"/>
+          <a:stretch/>
+        </p:blipFill>
+        <p:spPr>
+          <a:xfrm>
+            <a:off x="437425" y="2006850"/>
+            <a:ext cx="3793349" cy="2597476"/>
+          </a:xfrm>
+          <a:prstGeom prst="rect">
+            <a:avLst/>
+          </a:prstGeom>
+          <a:noFill/>
+          <a:ln>
+            <a:noFill/>
+          </a:ln>
+        </p:spPr>
+      </p:pic>
+      <p:pic>
+        <p:nvPicPr>
+          <p:cNvPr id="157" name="Google Shape;157;p24"/>
+          <p:cNvPicPr preferRelativeResize="0"/>
+          <p:nvPr/>
+        </p:nvPicPr>
+        <p:blipFill rotWithShape="1">
+          <a:blip r:embed="rId4">
+            <a:alphaModFix/>
+          </a:blip>
+          <a:srcRect b="2451" l="5531" r="51886" t="54537"/>
+          <a:stretch/>
+        </p:blipFill>
+        <p:spPr>
+          <a:xfrm>
+            <a:off x="4754500" y="2006850"/>
+            <a:ext cx="3793349" cy="2528199"/>
+          </a:xfrm>
+          <a:prstGeom prst="rect">
+            <a:avLst/>
+          </a:prstGeom>
+          <a:noFill/>
+          <a:ln>
+            <a:noFill/>
+          </a:ln>
+        </p:spPr>
+      </p:pic>
+      <p:sp>
+        <p:nvSpPr>
+          <p:cNvPr id="158" name="Google Shape;158;p24"/>
+          <p:cNvSpPr txBox="1"/>
+          <p:nvPr/>
+        </p:nvSpPr>
+        <p:spPr>
+          <a:xfrm>
+            <a:off x="1278550" y="4757325"/>
+            <a:ext cx="2244600" cy="267600"/>
+          </a:xfrm>
+          <a:prstGeom prst="rect">
+            <a:avLst/>
+          </a:prstGeom>
+          <a:noFill/>
+          <a:ln>
+            <a:noFill/>
+          </a:ln>
+        </p:spPr>
+        <p:txBody>
+          <a:bodyPr anchorCtr="0" anchor="t" bIns="91425" lIns="91425" spcFirstLastPara="1" rIns="91425" wrap="square" tIns="91425">
+            <a:noAutofit/>
+          </a:bodyPr>
+          <a:lstStyle/>
+          <a:p>
+            <a:pPr indent="0" lvl="0" marL="0" rtl="0" algn="l">
+              <a:spcBef>
+                <a:spcPts val="0"/>
+              </a:spcBef>
+              <a:spcAft>
+                <a:spcPts val="0"/>
+              </a:spcAft>
+              <a:buNone/>
+            </a:pPr>
+            <a:r>
+              <a:rPr lang="en">
+                <a:latin typeface="Lato"/>
+                <a:ea typeface="Lato"/>
+                <a:cs typeface="Lato"/>
+                <a:sym typeface="Lato"/>
+              </a:rPr>
+              <a:t>With all features</a:t>
+            </a:r>
+            <a:endParaRPr>
+              <a:latin typeface="Lato"/>
+              <a:ea typeface="Lato"/>
+              <a:cs typeface="Lato"/>
+              <a:sym typeface="Lato"/>
+            </a:endParaRPr>
+          </a:p>
+        </p:txBody>
+      </p:sp>
+      <p:sp>
+        <p:nvSpPr>
+          <p:cNvPr id="159" name="Google Shape;159;p24"/>
+          <p:cNvSpPr txBox="1"/>
+          <p:nvPr/>
+        </p:nvSpPr>
+        <p:spPr>
+          <a:xfrm>
+            <a:off x="5812575" y="4688050"/>
+            <a:ext cx="2051400" cy="267600"/>
           </a:xfrm>
           <a:prstGeom prst="rect">
             <a:avLst/>
@@ -8827,12 +9244,12 @@
 </p:sld>
 </file>
 
-<file path=ppt/slides/slide11.xml><?xml version="1.0" encoding="utf-8"?>
+<file path=ppt/slides/slide13.xml><?xml version="1.0" encoding="utf-8"?>
 <p:sld xmlns:a="http://schemas.openxmlformats.org/drawingml/2006/main" xmlns:r="http://schemas.openxmlformats.org/officeDocument/2006/relationships" xmlns:mc="http://schemas.openxmlformats.org/markup-compatibility/2006" xmlns:mv="urn:schemas-microsoft-com:mac:vml" xmlns:p="http://schemas.openxmlformats.org/presentationml/2006/main" xmlns:c="http://schemas.openxmlformats.org/drawingml/2006/chart" xmlns:dgm="http://schemas.openxmlformats.org/drawingml/2006/diagram" xmlns:o="urn:schemas-microsoft-com:office:office" xmlns:v="urn:schemas-microsoft-com:vml" xmlns:pvml="urn:schemas-microsoft-com:office:powerpoint" xmlns:com="http://schemas.openxmlformats.org/drawingml/2006/compatibility" xmlns:p14="http://schemas.microsoft.com/office/powerpoint/2010/main" xmlns:p15="http://schemas.microsoft.com/office/powerpoint/2012/main">
   <p:cSld>
     <p:spTree>
       <p:nvGrpSpPr>
-        <p:cNvPr id="148" name="Shape 148"/>
+        <p:cNvPr id="163" name="Shape 163"/>
         <p:cNvGrpSpPr/>
         <p:nvPr/>
       </p:nvGrpSpPr>
@@ -8846,230 +9263,7 @@
       </p:grpSpPr>
       <p:sp>
         <p:nvSpPr>
-          <p:cNvPr id="149" name="Google Shape;149;p23"/>
-          <p:cNvSpPr txBox="1"/>
-          <p:nvPr>
-            <p:ph type="title"/>
-          </p:nvPr>
-        </p:nvSpPr>
-        <p:spPr>
-          <a:xfrm>
-            <a:off x="729450" y="1318650"/>
-            <a:ext cx="7688700" cy="535200"/>
-          </a:xfrm>
-          <a:prstGeom prst="rect">
-            <a:avLst/>
-          </a:prstGeom>
-        </p:spPr>
-        <p:txBody>
-          <a:bodyPr anchorCtr="0" anchor="t" bIns="91425" lIns="91425" spcFirstLastPara="1" rIns="91425" wrap="square" tIns="91425">
-            <a:noAutofit/>
-          </a:bodyPr>
-          <a:lstStyle/>
-          <a:p>
-            <a:pPr indent="0" lvl="0" marL="0" rtl="0" algn="l">
-              <a:spcBef>
-                <a:spcPts val="0"/>
-              </a:spcBef>
-              <a:spcAft>
-                <a:spcPts val="0"/>
-              </a:spcAft>
-              <a:buNone/>
-            </a:pPr>
-            <a:r>
-              <a:rPr lang="en"/>
-              <a:t>Results For Random Forest</a:t>
-            </a:r>
-            <a:endParaRPr/>
-          </a:p>
-        </p:txBody>
-      </p:sp>
-      <p:pic>
-        <p:nvPicPr>
-          <p:cNvPr id="150" name="Google Shape;150;p23"/>
-          <p:cNvPicPr preferRelativeResize="0"/>
-          <p:nvPr/>
-        </p:nvPicPr>
-        <p:blipFill rotWithShape="1">
-          <a:blip r:embed="rId3">
-            <a:alphaModFix/>
-          </a:blip>
-          <a:srcRect b="20277" l="5370" r="52708" t="38366"/>
-          <a:stretch/>
-        </p:blipFill>
-        <p:spPr>
-          <a:xfrm>
-            <a:off x="437425" y="2006850"/>
-            <a:ext cx="3793349" cy="2597476"/>
-          </a:xfrm>
-          <a:prstGeom prst="rect">
-            <a:avLst/>
-          </a:prstGeom>
-          <a:noFill/>
-          <a:ln>
-            <a:noFill/>
-          </a:ln>
-        </p:spPr>
-      </p:pic>
-      <p:pic>
-        <p:nvPicPr>
-          <p:cNvPr id="151" name="Google Shape;151;p23"/>
-          <p:cNvPicPr preferRelativeResize="0"/>
-          <p:nvPr/>
-        </p:nvPicPr>
-        <p:blipFill rotWithShape="1">
-          <a:blip r:embed="rId4">
-            <a:alphaModFix/>
-          </a:blip>
-          <a:srcRect b="2451" l="5531" r="51886" t="54537"/>
-          <a:stretch/>
-        </p:blipFill>
-        <p:spPr>
-          <a:xfrm>
-            <a:off x="4754500" y="2006850"/>
-            <a:ext cx="3793349" cy="2528199"/>
-          </a:xfrm>
-          <a:prstGeom prst="rect">
-            <a:avLst/>
-          </a:prstGeom>
-          <a:noFill/>
-          <a:ln>
-            <a:noFill/>
-          </a:ln>
-        </p:spPr>
-      </p:pic>
-      <p:sp>
-        <p:nvSpPr>
-          <p:cNvPr id="152" name="Google Shape;152;p23"/>
-          <p:cNvSpPr txBox="1"/>
-          <p:nvPr/>
-        </p:nvSpPr>
-        <p:spPr>
-          <a:xfrm>
-            <a:off x="1278550" y="4757325"/>
-            <a:ext cx="2244600" cy="267600"/>
-          </a:xfrm>
-          <a:prstGeom prst="rect">
-            <a:avLst/>
-          </a:prstGeom>
-          <a:noFill/>
-          <a:ln>
-            <a:noFill/>
-          </a:ln>
-        </p:spPr>
-        <p:txBody>
-          <a:bodyPr anchorCtr="0" anchor="t" bIns="91425" lIns="91425" spcFirstLastPara="1" rIns="91425" wrap="square" tIns="91425">
-            <a:noAutofit/>
-          </a:bodyPr>
-          <a:lstStyle/>
-          <a:p>
-            <a:pPr indent="0" lvl="0" marL="0" rtl="0" algn="l">
-              <a:spcBef>
-                <a:spcPts val="0"/>
-              </a:spcBef>
-              <a:spcAft>
-                <a:spcPts val="0"/>
-              </a:spcAft>
-              <a:buNone/>
-            </a:pPr>
-            <a:r>
-              <a:rPr lang="en">
-                <a:latin typeface="Lato"/>
-                <a:ea typeface="Lato"/>
-                <a:cs typeface="Lato"/>
-                <a:sym typeface="Lato"/>
-              </a:rPr>
-              <a:t>With all features</a:t>
-            </a:r>
-            <a:endParaRPr>
-              <a:latin typeface="Lato"/>
-              <a:ea typeface="Lato"/>
-              <a:cs typeface="Lato"/>
-              <a:sym typeface="Lato"/>
-            </a:endParaRPr>
-          </a:p>
-        </p:txBody>
-      </p:sp>
-      <p:sp>
-        <p:nvSpPr>
-          <p:cNvPr id="153" name="Google Shape;153;p23"/>
-          <p:cNvSpPr txBox="1"/>
-          <p:nvPr/>
-        </p:nvSpPr>
-        <p:spPr>
-          <a:xfrm>
-            <a:off x="5812575" y="4688050"/>
-            <a:ext cx="2051400" cy="267600"/>
-          </a:xfrm>
-          <a:prstGeom prst="rect">
-            <a:avLst/>
-          </a:prstGeom>
-          <a:noFill/>
-          <a:ln>
-            <a:noFill/>
-          </a:ln>
-        </p:spPr>
-        <p:txBody>
-          <a:bodyPr anchorCtr="0" anchor="t" bIns="91425" lIns="91425" spcFirstLastPara="1" rIns="91425" wrap="square" tIns="91425">
-            <a:noAutofit/>
-          </a:bodyPr>
-          <a:lstStyle/>
-          <a:p>
-            <a:pPr indent="0" lvl="0" marL="0" rtl="0" algn="l">
-              <a:spcBef>
-                <a:spcPts val="0"/>
-              </a:spcBef>
-              <a:spcAft>
-                <a:spcPts val="0"/>
-              </a:spcAft>
-              <a:buNone/>
-            </a:pPr>
-            <a:r>
-              <a:rPr lang="en">
-                <a:latin typeface="Lato"/>
-                <a:ea typeface="Lato"/>
-                <a:cs typeface="Lato"/>
-                <a:sym typeface="Lato"/>
-              </a:rPr>
-              <a:t>With 20 features</a:t>
-            </a:r>
-            <a:endParaRPr>
-              <a:latin typeface="Lato"/>
-              <a:ea typeface="Lato"/>
-              <a:cs typeface="Lato"/>
-              <a:sym typeface="Lato"/>
-            </a:endParaRPr>
-          </a:p>
-        </p:txBody>
-      </p:sp>
-    </p:spTree>
-  </p:cSld>
-  <p:clrMapOvr>
-    <a:masterClrMapping/>
-  </p:clrMapOvr>
-</p:sld>
-</file>
-
-<file path=ppt/slides/slide12.xml><?xml version="1.0" encoding="utf-8"?>
-<p:sld xmlns:a="http://schemas.openxmlformats.org/drawingml/2006/main" xmlns:r="http://schemas.openxmlformats.org/officeDocument/2006/relationships" xmlns:mc="http://schemas.openxmlformats.org/markup-compatibility/2006" xmlns:mv="urn:schemas-microsoft-com:mac:vml" xmlns:p="http://schemas.openxmlformats.org/presentationml/2006/main" xmlns:c="http://schemas.openxmlformats.org/drawingml/2006/chart" xmlns:dgm="http://schemas.openxmlformats.org/drawingml/2006/diagram" xmlns:o="urn:schemas-microsoft-com:office:office" xmlns:v="urn:schemas-microsoft-com:vml" xmlns:pvml="urn:schemas-microsoft-com:office:powerpoint" xmlns:com="http://schemas.openxmlformats.org/drawingml/2006/compatibility" xmlns:p14="http://schemas.microsoft.com/office/powerpoint/2010/main" xmlns:p15="http://schemas.microsoft.com/office/powerpoint/2012/main">
-  <p:cSld>
-    <p:spTree>
-      <p:nvGrpSpPr>
-        <p:cNvPr id="157" name="Shape 157"/>
-        <p:cNvGrpSpPr/>
-        <p:nvPr/>
-      </p:nvGrpSpPr>
-      <p:grpSpPr>
-        <a:xfrm>
-          <a:off x="0" y="0"/>
-          <a:ext cx="0" cy="0"/>
-          <a:chOff x="0" y="0"/>
-          <a:chExt cx="0" cy="0"/>
-        </a:xfrm>
-      </p:grpSpPr>
-      <p:sp>
-        <p:nvSpPr>
-          <p:cNvPr id="158" name="Google Shape;158;p24"/>
+          <p:cNvPr id="164" name="Google Shape;164;p25"/>
           <p:cNvSpPr txBox="1"/>
           <p:nvPr>
             <p:ph type="title"/>
@@ -9109,7 +9303,7 @@
       </p:sp>
       <p:graphicFrame>
         <p:nvGraphicFramePr>
-          <p:cNvPr id="159" name="Google Shape;159;p24"/>
+          <p:cNvPr id="165" name="Google Shape;165;p25"/>
           <p:cNvGraphicFramePr/>
           <p:nvPr/>
         </p:nvGraphicFramePr>
@@ -9122,7 +9316,7 @@
             <a:tbl>
               <a:tblPr>
                 <a:noFill/>
-                <a:tableStyleId>{811AC534-8410-4D99-A190-4A98305D43E4}</a:tableStyleId>
+                <a:tableStyleId>{EC6B76CF-7A2F-4336-9FDB-DBADD2185A82}</a:tableStyleId>
               </a:tblPr>
               <a:tblGrid>
                 <a:gridCol w="2413000"/>
@@ -10648,6 +10842,665 @@
         </p:nvSpPr>
         <p:spPr>
           <a:xfrm>
+            <a:off x="818375" y="340350"/>
+            <a:ext cx="7688700" cy="535200"/>
+          </a:xfrm>
+          <a:prstGeom prst="rect">
+            <a:avLst/>
+          </a:prstGeom>
+        </p:spPr>
+        <p:txBody>
+          <a:bodyPr anchorCtr="0" anchor="t" bIns="91425" lIns="91425" spcFirstLastPara="1" rIns="91425" wrap="square" tIns="91425">
+            <a:noAutofit/>
+          </a:bodyPr>
+          <a:lstStyle/>
+          <a:p>
+            <a:pPr indent="0" lvl="0" marL="0" rtl="0" algn="ctr">
+              <a:spcBef>
+                <a:spcPts val="0"/>
+              </a:spcBef>
+              <a:spcAft>
+                <a:spcPts val="0"/>
+              </a:spcAft>
+              <a:buNone/>
+            </a:pPr>
+            <a:r>
+              <a:rPr lang="en"/>
+              <a:t>Memory utilisation </a:t>
+            </a:r>
+            <a:endParaRPr/>
+          </a:p>
+        </p:txBody>
+      </p:sp>
+      <p:graphicFrame>
+        <p:nvGraphicFramePr>
+          <p:cNvPr id="115" name="Google Shape;115;p18"/>
+          <p:cNvGraphicFramePr/>
+          <p:nvPr/>
+        </p:nvGraphicFramePr>
+        <p:xfrm>
+          <a:off x="370700" y="1425825"/>
+          <a:ext cx="3000000" cy="3000000"/>
+        </p:xfrm>
+        <a:graphic>
+          <a:graphicData uri="http://schemas.openxmlformats.org/drawingml/2006/table">
+            <a:tbl>
+              <a:tblPr>
+                <a:noFill/>
+                <a:tableStyleId>{EC6B76CF-7A2F-4336-9FDB-DBADD2185A82}</a:tableStyleId>
+              </a:tblPr>
+              <a:tblGrid>
+                <a:gridCol w="2861350"/>
+                <a:gridCol w="2861350"/>
+                <a:gridCol w="2861350"/>
+              </a:tblGrid>
+              <a:tr h="381000">
+                <a:tc>
+                  <a:txBody>
+                    <a:bodyPr/>
+                    <a:lstStyle/>
+                    <a:p>
+                      <a:pPr indent="0" lvl="0" marL="0" rtl="0" algn="l">
+                        <a:spcBef>
+                          <a:spcPts val="0"/>
+                        </a:spcBef>
+                        <a:spcAft>
+                          <a:spcPts val="0"/>
+                        </a:spcAft>
+                        <a:buNone/>
+                      </a:pPr>
+                      <a:r>
+                        <a:rPr lang="en"/>
+                        <a:t>File</a:t>
+                      </a:r>
+                      <a:endParaRPr/>
+                    </a:p>
+                  </a:txBody>
+                  <a:tcPr marT="91425" marB="91425" marR="91425" marL="91425"/>
+                </a:tc>
+                <a:tc>
+                  <a:txBody>
+                    <a:bodyPr/>
+                    <a:lstStyle/>
+                    <a:p>
+                      <a:pPr indent="0" lvl="0" marL="0" rtl="0" algn="l">
+                        <a:spcBef>
+                          <a:spcPts val="0"/>
+                        </a:spcBef>
+                        <a:spcAft>
+                          <a:spcPts val="0"/>
+                        </a:spcAft>
+                        <a:buNone/>
+                      </a:pPr>
+                      <a:r>
+                        <a:rPr lang="en"/>
+                        <a:t>Memory usage</a:t>
+                      </a:r>
+                      <a:endParaRPr/>
+                    </a:p>
+                  </a:txBody>
+                  <a:tcPr marT="91425" marB="91425" marR="91425" marL="91425"/>
+                </a:tc>
+                <a:tc>
+                  <a:txBody>
+                    <a:bodyPr/>
+                    <a:lstStyle/>
+                    <a:p>
+                      <a:pPr indent="0" lvl="0" marL="0" rtl="0" algn="l">
+                        <a:spcBef>
+                          <a:spcPts val="0"/>
+                        </a:spcBef>
+                        <a:spcAft>
+                          <a:spcPts val="0"/>
+                        </a:spcAft>
+                        <a:buNone/>
+                      </a:pPr>
+                      <a:r>
+                        <a:rPr lang="en"/>
+                        <a:t>Memory usage after optimisation</a:t>
+                      </a:r>
+                      <a:endParaRPr/>
+                    </a:p>
+                  </a:txBody>
+                  <a:tcPr marT="91425" marB="91425" marR="91425" marL="91425"/>
+                </a:tc>
+              </a:tr>
+              <a:tr h="381000">
+                <a:tc>
+                  <a:txBody>
+                    <a:bodyPr/>
+                    <a:lstStyle/>
+                    <a:p>
+                      <a:pPr indent="0" lvl="0" marL="0" rtl="0" algn="l">
+                        <a:spcBef>
+                          <a:spcPts val="0"/>
+                        </a:spcBef>
+                        <a:spcAft>
+                          <a:spcPts val="0"/>
+                        </a:spcAft>
+                        <a:buNone/>
+                      </a:pPr>
+                      <a:r>
+                        <a:rPr lang="en"/>
+                        <a:t>application.csv</a:t>
+                      </a:r>
+                      <a:endParaRPr/>
+                    </a:p>
+                  </a:txBody>
+                  <a:tcPr marT="91425" marB="91425" marR="91425" marL="91425"/>
+                </a:tc>
+                <a:tc>
+                  <a:txBody>
+                    <a:bodyPr/>
+                    <a:lstStyle/>
+                    <a:p>
+                      <a:pPr indent="0" lvl="0" marL="0" rtl="0" algn="l">
+                        <a:spcBef>
+                          <a:spcPts val="0"/>
+                        </a:spcBef>
+                        <a:spcAft>
+                          <a:spcPts val="0"/>
+                        </a:spcAft>
+                        <a:buNone/>
+                      </a:pPr>
+                      <a:r>
+                        <a:rPr lang="en"/>
+                        <a:t>286.23 MB</a:t>
+                      </a:r>
+                      <a:endParaRPr/>
+                    </a:p>
+                  </a:txBody>
+                  <a:tcPr marT="91425" marB="91425" marR="91425" marL="91425"/>
+                </a:tc>
+                <a:tc>
+                  <a:txBody>
+                    <a:bodyPr/>
+                    <a:lstStyle/>
+                    <a:p>
+                      <a:pPr indent="0" lvl="0" marL="0" rtl="0" algn="l">
+                        <a:spcBef>
+                          <a:spcPts val="0"/>
+                        </a:spcBef>
+                        <a:spcAft>
+                          <a:spcPts val="0"/>
+                        </a:spcAft>
+                        <a:buNone/>
+                      </a:pPr>
+                      <a:r>
+                        <a:rPr lang="en"/>
+                        <a:t>59.54 MB</a:t>
+                      </a:r>
+                      <a:endParaRPr/>
+                    </a:p>
+                  </a:txBody>
+                  <a:tcPr marT="91425" marB="91425" marR="91425" marL="91425"/>
+                </a:tc>
+              </a:tr>
+              <a:tr h="381000">
+                <a:tc>
+                  <a:txBody>
+                    <a:bodyPr/>
+                    <a:lstStyle/>
+                    <a:p>
+                      <a:pPr indent="0" lvl="0" marL="0" rtl="0" algn="l">
+                        <a:spcBef>
+                          <a:spcPts val="0"/>
+                        </a:spcBef>
+                        <a:spcAft>
+                          <a:spcPts val="0"/>
+                        </a:spcAft>
+                        <a:buNone/>
+                      </a:pPr>
+                      <a:r>
+                        <a:rPr lang="en"/>
+                        <a:t>bureau.csv</a:t>
+                      </a:r>
+                      <a:endParaRPr/>
+                    </a:p>
+                  </a:txBody>
+                  <a:tcPr marT="91425" marB="91425" marR="91425" marL="91425"/>
+                </a:tc>
+                <a:tc>
+                  <a:txBody>
+                    <a:bodyPr/>
+                    <a:lstStyle/>
+                    <a:p>
+                      <a:pPr indent="0" lvl="0" marL="0" rtl="0" algn="l">
+                        <a:spcBef>
+                          <a:spcPts val="0"/>
+                        </a:spcBef>
+                        <a:spcAft>
+                          <a:spcPts val="0"/>
+                        </a:spcAft>
+                        <a:buNone/>
+                      </a:pPr>
+                      <a:r>
+                        <a:rPr lang="en"/>
+                        <a:t>222.62 MB</a:t>
+                      </a:r>
+                      <a:endParaRPr/>
+                    </a:p>
+                  </a:txBody>
+                  <a:tcPr marT="91425" marB="91425" marR="91425" marL="91425"/>
+                </a:tc>
+                <a:tc>
+                  <a:txBody>
+                    <a:bodyPr/>
+                    <a:lstStyle/>
+                    <a:p>
+                      <a:pPr indent="0" lvl="0" marL="0" rtl="0" algn="l">
+                        <a:spcBef>
+                          <a:spcPts val="0"/>
+                        </a:spcBef>
+                        <a:spcAft>
+                          <a:spcPts val="0"/>
+                        </a:spcAft>
+                        <a:buNone/>
+                      </a:pPr>
+                      <a:r>
+                        <a:rPr lang="en"/>
+                        <a:t>78.57 MB</a:t>
+                      </a:r>
+                      <a:endParaRPr/>
+                    </a:p>
+                  </a:txBody>
+                  <a:tcPr marT="91425" marB="91425" marR="91425" marL="91425"/>
+                </a:tc>
+              </a:tr>
+              <a:tr h="381000">
+                <a:tc>
+                  <a:txBody>
+                    <a:bodyPr/>
+                    <a:lstStyle/>
+                    <a:p>
+                      <a:pPr indent="0" lvl="0" marL="0" rtl="0" algn="l">
+                        <a:spcBef>
+                          <a:spcPts val="0"/>
+                        </a:spcBef>
+                        <a:spcAft>
+                          <a:spcPts val="0"/>
+                        </a:spcAft>
+                        <a:buNone/>
+                      </a:pPr>
+                      <a:r>
+                        <a:rPr lang="en"/>
+                        <a:t>bureau_balance.csv</a:t>
+                      </a:r>
+                      <a:endParaRPr/>
+                    </a:p>
+                  </a:txBody>
+                  <a:tcPr marT="91425" marB="91425" marR="91425" marL="91425"/>
+                </a:tc>
+                <a:tc>
+                  <a:txBody>
+                    <a:bodyPr/>
+                    <a:lstStyle/>
+                    <a:p>
+                      <a:pPr indent="0" lvl="0" marL="0" rtl="0" algn="l">
+                        <a:spcBef>
+                          <a:spcPts val="0"/>
+                        </a:spcBef>
+                        <a:spcAft>
+                          <a:spcPts val="0"/>
+                        </a:spcAft>
+                        <a:buNone/>
+                      </a:pPr>
+                      <a:r>
+                        <a:rPr lang="en"/>
+                        <a:t>624.85 MB</a:t>
+                      </a:r>
+                      <a:endParaRPr/>
+                    </a:p>
+                  </a:txBody>
+                  <a:tcPr marT="91425" marB="91425" marR="91425" marL="91425"/>
+                </a:tc>
+                <a:tc>
+                  <a:txBody>
+                    <a:bodyPr/>
+                    <a:lstStyle/>
+                    <a:p>
+                      <a:pPr indent="0" lvl="0" marL="0" rtl="0" algn="l">
+                        <a:spcBef>
+                          <a:spcPts val="0"/>
+                        </a:spcBef>
+                        <a:spcAft>
+                          <a:spcPts val="0"/>
+                        </a:spcAft>
+                        <a:buNone/>
+                      </a:pPr>
+                      <a:r>
+                        <a:rPr lang="en"/>
+                        <a:t>156.21 MB</a:t>
+                      </a:r>
+                      <a:endParaRPr/>
+                    </a:p>
+                  </a:txBody>
+                  <a:tcPr marT="91425" marB="91425" marR="91425" marL="91425"/>
+                </a:tc>
+              </a:tr>
+              <a:tr h="381000">
+                <a:tc>
+                  <a:txBody>
+                    <a:bodyPr/>
+                    <a:lstStyle/>
+                    <a:p>
+                      <a:pPr indent="0" lvl="0" marL="0" rtl="0" algn="l">
+                        <a:spcBef>
+                          <a:spcPts val="0"/>
+                        </a:spcBef>
+                        <a:spcAft>
+                          <a:spcPts val="0"/>
+                        </a:spcAft>
+                        <a:buNone/>
+                      </a:pPr>
+                      <a:r>
+                        <a:rPr lang="en"/>
+                        <a:t>previous_application.csv</a:t>
+                      </a:r>
+                      <a:endParaRPr/>
+                    </a:p>
+                  </a:txBody>
+                  <a:tcPr marT="91425" marB="91425" marR="91425" marL="91425"/>
+                </a:tc>
+                <a:tc>
+                  <a:txBody>
+                    <a:bodyPr/>
+                    <a:lstStyle/>
+                    <a:p>
+                      <a:pPr indent="0" lvl="0" marL="0" rtl="0" algn="l">
+                        <a:spcBef>
+                          <a:spcPts val="0"/>
+                        </a:spcBef>
+                        <a:spcAft>
+                          <a:spcPts val="0"/>
+                        </a:spcAft>
+                        <a:buNone/>
+                      </a:pPr>
+                      <a:r>
+                        <a:rPr lang="en"/>
+                        <a:t>471.48 MB</a:t>
+                      </a:r>
+                      <a:endParaRPr/>
+                    </a:p>
+                  </a:txBody>
+                  <a:tcPr marT="91425" marB="91425" marR="91425" marL="91425"/>
+                </a:tc>
+                <a:tc>
+                  <a:txBody>
+                    <a:bodyPr/>
+                    <a:lstStyle/>
+                    <a:p>
+                      <a:pPr indent="0" lvl="0" marL="0" rtl="0" algn="l">
+                        <a:spcBef>
+                          <a:spcPts val="0"/>
+                        </a:spcBef>
+                        <a:spcAft>
+                          <a:spcPts val="0"/>
+                        </a:spcAft>
+                        <a:buNone/>
+                      </a:pPr>
+                      <a:r>
+                        <a:rPr lang="en"/>
+                        <a:t>130.62 MB</a:t>
+                      </a:r>
+                      <a:endParaRPr/>
+                    </a:p>
+                  </a:txBody>
+                  <a:tcPr marT="91425" marB="91425" marR="91425" marL="91425"/>
+                </a:tc>
+              </a:tr>
+              <a:tr h="381000">
+                <a:tc>
+                  <a:txBody>
+                    <a:bodyPr/>
+                    <a:lstStyle/>
+                    <a:p>
+                      <a:pPr indent="0" lvl="0" marL="0" rtl="0" algn="l">
+                        <a:spcBef>
+                          <a:spcPts val="0"/>
+                        </a:spcBef>
+                        <a:spcAft>
+                          <a:spcPts val="0"/>
+                        </a:spcAft>
+                        <a:buNone/>
+                      </a:pPr>
+                      <a:r>
+                        <a:rPr lang="en"/>
+                        <a:t>credit_card_balance.csv</a:t>
+                      </a:r>
+                      <a:endParaRPr/>
+                    </a:p>
+                  </a:txBody>
+                  <a:tcPr marT="91425" marB="91425" marR="91425" marL="91425"/>
+                </a:tc>
+                <a:tc>
+                  <a:txBody>
+                    <a:bodyPr/>
+                    <a:lstStyle/>
+                    <a:p>
+                      <a:pPr indent="0" lvl="0" marL="0" rtl="0" algn="l">
+                        <a:spcBef>
+                          <a:spcPts val="0"/>
+                        </a:spcBef>
+                        <a:spcAft>
+                          <a:spcPts val="0"/>
+                        </a:spcAft>
+                        <a:buNone/>
+                      </a:pPr>
+                      <a:r>
+                        <a:rPr lang="en"/>
+                        <a:t>673.88 MB</a:t>
+                      </a:r>
+                      <a:endParaRPr/>
+                    </a:p>
+                  </a:txBody>
+                  <a:tcPr marT="91425" marB="91425" marR="91425" marL="91425"/>
+                </a:tc>
+                <a:tc>
+                  <a:txBody>
+                    <a:bodyPr/>
+                    <a:lstStyle/>
+                    <a:p>
+                      <a:pPr indent="0" lvl="0" marL="0" rtl="0" algn="l">
+                        <a:spcBef>
+                          <a:spcPts val="0"/>
+                        </a:spcBef>
+                        <a:spcAft>
+                          <a:spcPts val="0"/>
+                        </a:spcAft>
+                        <a:buNone/>
+                      </a:pPr>
+                      <a:r>
+                        <a:rPr lang="en"/>
+                        <a:t>263.69 MB</a:t>
+                      </a:r>
+                      <a:endParaRPr/>
+                    </a:p>
+                  </a:txBody>
+                  <a:tcPr marT="91425" marB="91425" marR="91425" marL="91425"/>
+                </a:tc>
+              </a:tr>
+              <a:tr h="381000">
+                <a:tc>
+                  <a:txBody>
+                    <a:bodyPr/>
+                    <a:lstStyle/>
+                    <a:p>
+                      <a:pPr indent="0" lvl="0" marL="0" rtl="0" algn="l">
+                        <a:spcBef>
+                          <a:spcPts val="0"/>
+                        </a:spcBef>
+                        <a:spcAft>
+                          <a:spcPts val="0"/>
+                        </a:spcAft>
+                        <a:buNone/>
+                      </a:pPr>
+                      <a:r>
+                        <a:rPr lang="en"/>
+                        <a:t>installments_payments.csv</a:t>
+                      </a:r>
+                      <a:endParaRPr/>
+                    </a:p>
+                  </a:txBody>
+                  <a:tcPr marT="91425" marB="91425" marR="91425" marL="91425"/>
+                </a:tc>
+                <a:tc>
+                  <a:txBody>
+                    <a:bodyPr/>
+                    <a:lstStyle/>
+                    <a:p>
+                      <a:pPr indent="0" lvl="0" marL="0" rtl="0" algn="l">
+                        <a:spcBef>
+                          <a:spcPts val="0"/>
+                        </a:spcBef>
+                        <a:spcAft>
+                          <a:spcPts val="0"/>
+                        </a:spcAft>
+                        <a:buNone/>
+                      </a:pPr>
+                      <a:r>
+                        <a:rPr lang="en"/>
+                        <a:t>830.41 MB</a:t>
+                      </a:r>
+                      <a:endParaRPr/>
+                    </a:p>
+                  </a:txBody>
+                  <a:tcPr marT="91425" marB="91425" marR="91425" marL="91425"/>
+                </a:tc>
+                <a:tc>
+                  <a:txBody>
+                    <a:bodyPr/>
+                    <a:lstStyle/>
+                    <a:p>
+                      <a:pPr indent="0" lvl="0" marL="0" rtl="0" algn="l">
+                        <a:spcBef>
+                          <a:spcPts val="0"/>
+                        </a:spcBef>
+                        <a:spcAft>
+                          <a:spcPts val="0"/>
+                        </a:spcAft>
+                        <a:buNone/>
+                      </a:pPr>
+                      <a:r>
+                        <a:rPr lang="en"/>
+                        <a:t>311.40 MB</a:t>
+                      </a:r>
+                      <a:endParaRPr/>
+                    </a:p>
+                  </a:txBody>
+                  <a:tcPr marT="91425" marB="91425" marR="91425" marL="91425"/>
+                </a:tc>
+              </a:tr>
+              <a:tr h="381000">
+                <a:tc>
+                  <a:txBody>
+                    <a:bodyPr/>
+                    <a:lstStyle/>
+                    <a:p>
+                      <a:pPr indent="0" lvl="0" marL="0" rtl="0" algn="l">
+                        <a:spcBef>
+                          <a:spcPts val="0"/>
+                        </a:spcBef>
+                        <a:spcAft>
+                          <a:spcPts val="0"/>
+                        </a:spcAft>
+                        <a:buNone/>
+                      </a:pPr>
+                      <a:r>
+                        <a:rPr lang="en"/>
+                        <a:t>POS_CASH_balance.csv</a:t>
+                      </a:r>
+                      <a:endParaRPr/>
+                    </a:p>
+                  </a:txBody>
+                  <a:tcPr marT="91425" marB="91425" marR="91425" marL="91425"/>
+                </a:tc>
+                <a:tc>
+                  <a:txBody>
+                    <a:bodyPr/>
+                    <a:lstStyle/>
+                    <a:p>
+                      <a:pPr indent="0" lvl="0" marL="0" rtl="0" algn="l">
+                        <a:spcBef>
+                          <a:spcPts val="0"/>
+                        </a:spcBef>
+                        <a:spcAft>
+                          <a:spcPts val="0"/>
+                        </a:spcAft>
+                        <a:buNone/>
+                      </a:pPr>
+                      <a:r>
+                        <a:rPr lang="en"/>
+                        <a:t>610.43 MB</a:t>
+                      </a:r>
+                      <a:endParaRPr/>
+                    </a:p>
+                  </a:txBody>
+                  <a:tcPr marT="91425" marB="91425" marR="91425" marL="91425"/>
+                </a:tc>
+                <a:tc>
+                  <a:txBody>
+                    <a:bodyPr/>
+                    <a:lstStyle/>
+                    <a:p>
+                      <a:pPr indent="0" lvl="0" marL="0" rtl="0" algn="l">
+                        <a:spcBef>
+                          <a:spcPts val="0"/>
+                        </a:spcBef>
+                        <a:spcAft>
+                          <a:spcPts val="0"/>
+                        </a:spcAft>
+                        <a:buNone/>
+                      </a:pPr>
+                      <a:r>
+                        <a:rPr lang="en"/>
+                        <a:t>171.69 MB</a:t>
+                      </a:r>
+                      <a:endParaRPr/>
+                    </a:p>
+                  </a:txBody>
+                  <a:tcPr marT="91425" marB="91425" marR="91425" marL="91425"/>
+                </a:tc>
+              </a:tr>
+            </a:tbl>
+          </a:graphicData>
+        </a:graphic>
+      </p:graphicFrame>
+    </p:spTree>
+  </p:cSld>
+  <p:clrMapOvr>
+    <a:masterClrMapping/>
+  </p:clrMapOvr>
+</p:sld>
+</file>
+
+<file path=ppt/slides/slide7.xml><?xml version="1.0" encoding="utf-8"?>
+<p:sld xmlns:a="http://schemas.openxmlformats.org/drawingml/2006/main" xmlns:r="http://schemas.openxmlformats.org/officeDocument/2006/relationships" xmlns:mc="http://schemas.openxmlformats.org/markup-compatibility/2006" xmlns:mv="urn:schemas-microsoft-com:mac:vml" xmlns:p="http://schemas.openxmlformats.org/presentationml/2006/main" xmlns:c="http://schemas.openxmlformats.org/drawingml/2006/chart" xmlns:dgm="http://schemas.openxmlformats.org/drawingml/2006/diagram" xmlns:o="urn:schemas-microsoft-com:office:office" xmlns:v="urn:schemas-microsoft-com:vml" xmlns:pvml="urn:schemas-microsoft-com:office:powerpoint" xmlns:com="http://schemas.openxmlformats.org/drawingml/2006/compatibility" xmlns:p14="http://schemas.microsoft.com/office/powerpoint/2010/main" xmlns:p15="http://schemas.microsoft.com/office/powerpoint/2012/main">
+  <p:cSld>
+    <p:spTree>
+      <p:nvGrpSpPr>
+        <p:cNvPr id="119" name="Shape 119"/>
+        <p:cNvGrpSpPr/>
+        <p:nvPr/>
+      </p:nvGrpSpPr>
+      <p:grpSpPr>
+        <a:xfrm>
+          <a:off x="0" y="0"/>
+          <a:ext cx="0" cy="0"/>
+          <a:chOff x="0" y="0"/>
+          <a:chExt cx="0" cy="0"/>
+        </a:xfrm>
+      </p:grpSpPr>
+      <p:sp>
+        <p:nvSpPr>
+          <p:cNvPr id="120" name="Google Shape;120;p19"/>
+          <p:cNvSpPr txBox="1"/>
+          <p:nvPr>
+            <p:ph type="title"/>
+          </p:nvPr>
+        </p:nvSpPr>
+        <p:spPr>
+          <a:xfrm>
             <a:off x="729450" y="1318650"/>
             <a:ext cx="7688700" cy="535200"/>
           </a:xfrm>
@@ -10680,7 +11533,7 @@
       </p:sp>
       <p:sp>
         <p:nvSpPr>
-          <p:cNvPr id="115" name="Google Shape;115;p18"/>
+          <p:cNvPr id="121" name="Google Shape;121;p19"/>
           <p:cNvSpPr txBox="1"/>
           <p:nvPr>
             <p:ph idx="1" type="body"/>
@@ -11016,7 +11869,7 @@
       </p:sp>
       <p:pic>
         <p:nvPicPr>
-          <p:cNvPr id="116" name="Google Shape;116;p18"/>
+          <p:cNvPr id="122" name="Google Shape;122;p19"/>
           <p:cNvPicPr preferRelativeResize="0"/>
           <p:nvPr/>
         </p:nvPicPr>
@@ -11050,12 +11903,12 @@
 </p:sld>
 </file>
 
-<file path=ppt/slides/slide7.xml><?xml version="1.0" encoding="utf-8"?>
+<file path=ppt/slides/slide8.xml><?xml version="1.0" encoding="utf-8"?>
 <p:sld xmlns:a="http://schemas.openxmlformats.org/drawingml/2006/main" xmlns:r="http://schemas.openxmlformats.org/officeDocument/2006/relationships" xmlns:mc="http://schemas.openxmlformats.org/markup-compatibility/2006" xmlns:mv="urn:schemas-microsoft-com:mac:vml" xmlns:p="http://schemas.openxmlformats.org/presentationml/2006/main" xmlns:c="http://schemas.openxmlformats.org/drawingml/2006/chart" xmlns:dgm="http://schemas.openxmlformats.org/drawingml/2006/diagram" xmlns:o="urn:schemas-microsoft-com:office:office" xmlns:v="urn:schemas-microsoft-com:vml" xmlns:pvml="urn:schemas-microsoft-com:office:powerpoint" xmlns:com="http://schemas.openxmlformats.org/drawingml/2006/compatibility" xmlns:p14="http://schemas.microsoft.com/office/powerpoint/2010/main" xmlns:p15="http://schemas.microsoft.com/office/powerpoint/2012/main">
   <p:cSld>
     <p:spTree>
       <p:nvGrpSpPr>
-        <p:cNvPr id="120" name="Shape 120"/>
+        <p:cNvPr id="126" name="Shape 126"/>
         <p:cNvGrpSpPr/>
         <p:nvPr/>
       </p:nvGrpSpPr>
@@ -11069,7 +11922,7 @@
       </p:grpSpPr>
       <p:sp>
         <p:nvSpPr>
-          <p:cNvPr id="121" name="Google Shape;121;p19"/>
+          <p:cNvPr id="127" name="Google Shape;127;p20"/>
           <p:cNvSpPr txBox="1"/>
           <p:nvPr>
             <p:ph type="title"/>
@@ -11109,7 +11962,7 @@
       </p:sp>
       <p:sp>
         <p:nvSpPr>
-          <p:cNvPr id="122" name="Google Shape;122;p19"/>
+          <p:cNvPr id="128" name="Google Shape;128;p20"/>
           <p:cNvSpPr txBox="1"/>
           <p:nvPr>
             <p:ph idx="1" type="body"/>
@@ -11355,7 +12208,7 @@
       </p:sp>
       <p:pic>
         <p:nvPicPr>
-          <p:cNvPr id="123" name="Google Shape;123;p19"/>
+          <p:cNvPr id="129" name="Google Shape;129;p20"/>
           <p:cNvPicPr preferRelativeResize="0"/>
           <p:nvPr/>
         </p:nvPicPr>
@@ -11380,391 +12233,6 @@
           </a:ln>
         </p:spPr>
       </p:pic>
-    </p:spTree>
-  </p:cSld>
-  <p:clrMapOvr>
-    <a:masterClrMapping/>
-  </p:clrMapOvr>
-</p:sld>
-</file>
-
-<file path=ppt/slides/slide8.xml><?xml version="1.0" encoding="utf-8"?>
-<p:sld xmlns:a="http://schemas.openxmlformats.org/drawingml/2006/main" xmlns:r="http://schemas.openxmlformats.org/officeDocument/2006/relationships" xmlns:mc="http://schemas.openxmlformats.org/markup-compatibility/2006" xmlns:mv="urn:schemas-microsoft-com:mac:vml" xmlns:p="http://schemas.openxmlformats.org/presentationml/2006/main" xmlns:c="http://schemas.openxmlformats.org/drawingml/2006/chart" xmlns:dgm="http://schemas.openxmlformats.org/drawingml/2006/diagram" xmlns:o="urn:schemas-microsoft-com:office:office" xmlns:v="urn:schemas-microsoft-com:vml" xmlns:pvml="urn:schemas-microsoft-com:office:powerpoint" xmlns:com="http://schemas.openxmlformats.org/drawingml/2006/compatibility" xmlns:p14="http://schemas.microsoft.com/office/powerpoint/2010/main" xmlns:p15="http://schemas.microsoft.com/office/powerpoint/2012/main">
-  <p:cSld>
-    <p:spTree>
-      <p:nvGrpSpPr>
-        <p:cNvPr id="127" name="Shape 127"/>
-        <p:cNvGrpSpPr/>
-        <p:nvPr/>
-      </p:nvGrpSpPr>
-      <p:grpSpPr>
-        <a:xfrm>
-          <a:off x="0" y="0"/>
-          <a:ext cx="0" cy="0"/>
-          <a:chOff x="0" y="0"/>
-          <a:chExt cx="0" cy="0"/>
-        </a:xfrm>
-      </p:grpSpPr>
-      <p:sp>
-        <p:nvSpPr>
-          <p:cNvPr id="128" name="Google Shape;128;p20"/>
-          <p:cNvSpPr txBox="1"/>
-          <p:nvPr>
-            <p:ph type="title"/>
-          </p:nvPr>
-        </p:nvSpPr>
-        <p:spPr>
-          <a:xfrm>
-            <a:off x="729450" y="1318650"/>
-            <a:ext cx="7688700" cy="535200"/>
-          </a:xfrm>
-          <a:prstGeom prst="rect">
-            <a:avLst/>
-          </a:prstGeom>
-        </p:spPr>
-        <p:txBody>
-          <a:bodyPr anchorCtr="0" anchor="t" bIns="91425" lIns="91425" spcFirstLastPara="1" rIns="91425" wrap="square" tIns="91425">
-            <a:noAutofit/>
-          </a:bodyPr>
-          <a:lstStyle/>
-          <a:p>
-            <a:pPr indent="0" lvl="0" marL="0" rtl="0" algn="l">
-              <a:spcBef>
-                <a:spcPts val="0"/>
-              </a:spcBef>
-              <a:spcAft>
-                <a:spcPts val="0"/>
-              </a:spcAft>
-              <a:buNone/>
-            </a:pPr>
-            <a:r>
-              <a:rPr lang="en"/>
-              <a:t>Model Building</a:t>
-            </a:r>
-            <a:endParaRPr/>
-          </a:p>
-        </p:txBody>
-      </p:sp>
-      <p:sp>
-        <p:nvSpPr>
-          <p:cNvPr id="129" name="Google Shape;129;p20"/>
-          <p:cNvSpPr txBox="1"/>
-          <p:nvPr>
-            <p:ph idx="1" type="body"/>
-          </p:nvPr>
-        </p:nvSpPr>
-        <p:spPr>
-          <a:xfrm>
-            <a:off x="729450" y="2060600"/>
-            <a:ext cx="7688700" cy="2712900"/>
-          </a:xfrm>
-          <a:prstGeom prst="rect">
-            <a:avLst/>
-          </a:prstGeom>
-        </p:spPr>
-        <p:txBody>
-          <a:bodyPr anchorCtr="0" anchor="t" bIns="91425" lIns="91425" spcFirstLastPara="1" rIns="91425" wrap="square" tIns="91425">
-            <a:noAutofit/>
-          </a:bodyPr>
-          <a:lstStyle/>
-          <a:p>
-            <a:pPr indent="-342900" lvl="0" marL="457200" rtl="0" algn="l">
-              <a:spcBef>
-                <a:spcPts val="0"/>
-              </a:spcBef>
-              <a:spcAft>
-                <a:spcPts val="0"/>
-              </a:spcAft>
-              <a:buClr>
-                <a:srgbClr val="000000"/>
-              </a:buClr>
-              <a:buSzPts val="1800"/>
-              <a:buFont typeface="Raleway"/>
-              <a:buChar char="●"/>
-            </a:pPr>
-            <a:r>
-              <a:rPr b="1" lang="en" sz="1800">
-                <a:solidFill>
-                  <a:srgbClr val="000000"/>
-                </a:solidFill>
-                <a:latin typeface="Raleway"/>
-                <a:ea typeface="Raleway"/>
-                <a:cs typeface="Raleway"/>
-                <a:sym typeface="Raleway"/>
-              </a:rPr>
-              <a:t>Machine Learning Models</a:t>
-            </a:r>
-            <a:endParaRPr b="1" sz="1800">
-              <a:solidFill>
-                <a:srgbClr val="000000"/>
-              </a:solidFill>
-              <a:latin typeface="Raleway"/>
-              <a:ea typeface="Raleway"/>
-              <a:cs typeface="Raleway"/>
-              <a:sym typeface="Raleway"/>
-            </a:endParaRPr>
-          </a:p>
-          <a:p>
-            <a:pPr indent="-342900" lvl="1" marL="914400" rtl="0" algn="l">
-              <a:spcBef>
-                <a:spcPts val="0"/>
-              </a:spcBef>
-              <a:spcAft>
-                <a:spcPts val="0"/>
-              </a:spcAft>
-              <a:buClr>
-                <a:srgbClr val="000000"/>
-              </a:buClr>
-              <a:buSzPts val="1800"/>
-              <a:buFont typeface="Raleway"/>
-              <a:buChar char="○"/>
-            </a:pPr>
-            <a:r>
-              <a:rPr lang="en" sz="1800">
-                <a:solidFill>
-                  <a:srgbClr val="000000"/>
-                </a:solidFill>
-                <a:latin typeface="Raleway"/>
-                <a:ea typeface="Raleway"/>
-                <a:cs typeface="Raleway"/>
-                <a:sym typeface="Raleway"/>
-              </a:rPr>
-              <a:t>Logistic Regression</a:t>
-            </a:r>
-            <a:endParaRPr sz="1800">
-              <a:solidFill>
-                <a:srgbClr val="000000"/>
-              </a:solidFill>
-              <a:latin typeface="Raleway"/>
-              <a:ea typeface="Raleway"/>
-              <a:cs typeface="Raleway"/>
-              <a:sym typeface="Raleway"/>
-            </a:endParaRPr>
-          </a:p>
-          <a:p>
-            <a:pPr indent="-342900" lvl="1" marL="914400" rtl="0" algn="l">
-              <a:spcBef>
-                <a:spcPts val="0"/>
-              </a:spcBef>
-              <a:spcAft>
-                <a:spcPts val="0"/>
-              </a:spcAft>
-              <a:buClr>
-                <a:srgbClr val="000000"/>
-              </a:buClr>
-              <a:buSzPts val="1800"/>
-              <a:buFont typeface="Raleway"/>
-              <a:buChar char="○"/>
-            </a:pPr>
-            <a:r>
-              <a:rPr lang="en" sz="1800">
-                <a:solidFill>
-                  <a:srgbClr val="000000"/>
-                </a:solidFill>
-                <a:latin typeface="Raleway"/>
-                <a:ea typeface="Raleway"/>
-                <a:cs typeface="Raleway"/>
-                <a:sym typeface="Raleway"/>
-              </a:rPr>
-              <a:t>Random Forest </a:t>
-            </a:r>
-            <a:endParaRPr sz="1800">
-              <a:solidFill>
-                <a:srgbClr val="000000"/>
-              </a:solidFill>
-              <a:latin typeface="Raleway"/>
-              <a:ea typeface="Raleway"/>
-              <a:cs typeface="Raleway"/>
-              <a:sym typeface="Raleway"/>
-            </a:endParaRPr>
-          </a:p>
-          <a:p>
-            <a:pPr indent="-342900" lvl="1" marL="914400" rtl="0" algn="l">
-              <a:spcBef>
-                <a:spcPts val="0"/>
-              </a:spcBef>
-              <a:spcAft>
-                <a:spcPts val="0"/>
-              </a:spcAft>
-              <a:buClr>
-                <a:srgbClr val="000000"/>
-              </a:buClr>
-              <a:buSzPts val="1800"/>
-              <a:buFont typeface="Raleway"/>
-              <a:buChar char="○"/>
-            </a:pPr>
-            <a:r>
-              <a:rPr lang="en" sz="1800">
-                <a:solidFill>
-                  <a:srgbClr val="000000"/>
-                </a:solidFill>
-                <a:latin typeface="Raleway"/>
-                <a:ea typeface="Raleway"/>
-                <a:cs typeface="Raleway"/>
-                <a:sym typeface="Raleway"/>
-              </a:rPr>
-              <a:t>Xtreme Gradient Boost</a:t>
-            </a:r>
-            <a:endParaRPr sz="1800">
-              <a:solidFill>
-                <a:srgbClr val="000000"/>
-              </a:solidFill>
-              <a:latin typeface="Raleway"/>
-              <a:ea typeface="Raleway"/>
-              <a:cs typeface="Raleway"/>
-              <a:sym typeface="Raleway"/>
-            </a:endParaRPr>
-          </a:p>
-          <a:p>
-            <a:pPr indent="-342900" lvl="0" marL="457200" rtl="0" algn="l">
-              <a:spcBef>
-                <a:spcPts val="0"/>
-              </a:spcBef>
-              <a:spcAft>
-                <a:spcPts val="0"/>
-              </a:spcAft>
-              <a:buClr>
-                <a:srgbClr val="000000"/>
-              </a:buClr>
-              <a:buSzPts val="1800"/>
-              <a:buFont typeface="Raleway"/>
-              <a:buChar char="●"/>
-            </a:pPr>
-            <a:r>
-              <a:rPr b="1" lang="en" sz="1800">
-                <a:solidFill>
-                  <a:srgbClr val="000000"/>
-                </a:solidFill>
-                <a:latin typeface="Raleway"/>
-                <a:ea typeface="Raleway"/>
-                <a:cs typeface="Raleway"/>
-                <a:sym typeface="Raleway"/>
-              </a:rPr>
-              <a:t>Deep Learning Models</a:t>
-            </a:r>
-            <a:endParaRPr b="1" sz="1800">
-              <a:solidFill>
-                <a:srgbClr val="000000"/>
-              </a:solidFill>
-              <a:latin typeface="Raleway"/>
-              <a:ea typeface="Raleway"/>
-              <a:cs typeface="Raleway"/>
-              <a:sym typeface="Raleway"/>
-            </a:endParaRPr>
-          </a:p>
-          <a:p>
-            <a:pPr indent="-342900" lvl="1" marL="914400" rtl="0" algn="l">
-              <a:spcBef>
-                <a:spcPts val="0"/>
-              </a:spcBef>
-              <a:spcAft>
-                <a:spcPts val="0"/>
-              </a:spcAft>
-              <a:buClr>
-                <a:srgbClr val="000000"/>
-              </a:buClr>
-              <a:buSzPts val="1800"/>
-              <a:buFont typeface="Raleway"/>
-              <a:buChar char="○"/>
-            </a:pPr>
-            <a:r>
-              <a:rPr lang="en" sz="1800">
-                <a:solidFill>
-                  <a:srgbClr val="000000"/>
-                </a:solidFill>
-                <a:latin typeface="Raleway"/>
-                <a:ea typeface="Raleway"/>
-                <a:cs typeface="Raleway"/>
-                <a:sym typeface="Raleway"/>
-              </a:rPr>
-              <a:t>DLM1</a:t>
-            </a:r>
-            <a:endParaRPr sz="1800">
-              <a:solidFill>
-                <a:srgbClr val="000000"/>
-              </a:solidFill>
-              <a:latin typeface="Raleway"/>
-              <a:ea typeface="Raleway"/>
-              <a:cs typeface="Raleway"/>
-              <a:sym typeface="Raleway"/>
-            </a:endParaRPr>
-          </a:p>
-          <a:p>
-            <a:pPr indent="-342900" lvl="1" marL="914400" rtl="0" algn="l">
-              <a:spcBef>
-                <a:spcPts val="0"/>
-              </a:spcBef>
-              <a:spcAft>
-                <a:spcPts val="0"/>
-              </a:spcAft>
-              <a:buClr>
-                <a:srgbClr val="000000"/>
-              </a:buClr>
-              <a:buSzPts val="1800"/>
-              <a:buFont typeface="Raleway"/>
-              <a:buChar char="○"/>
-            </a:pPr>
-            <a:r>
-              <a:rPr lang="en" sz="1800">
-                <a:solidFill>
-                  <a:srgbClr val="000000"/>
-                </a:solidFill>
-                <a:latin typeface="Raleway"/>
-                <a:ea typeface="Raleway"/>
-                <a:cs typeface="Raleway"/>
-                <a:sym typeface="Raleway"/>
-              </a:rPr>
-              <a:t>DLM2</a:t>
-            </a:r>
-            <a:endParaRPr sz="1800">
-              <a:solidFill>
-                <a:srgbClr val="000000"/>
-              </a:solidFill>
-              <a:latin typeface="Raleway"/>
-              <a:ea typeface="Raleway"/>
-              <a:cs typeface="Raleway"/>
-              <a:sym typeface="Raleway"/>
-            </a:endParaRPr>
-          </a:p>
-          <a:p>
-            <a:pPr indent="-342900" lvl="1" marL="914400" rtl="0" algn="l">
-              <a:spcBef>
-                <a:spcPts val="0"/>
-              </a:spcBef>
-              <a:spcAft>
-                <a:spcPts val="0"/>
-              </a:spcAft>
-              <a:buClr>
-                <a:srgbClr val="000000"/>
-              </a:buClr>
-              <a:buSzPts val="1800"/>
-              <a:buFont typeface="Raleway"/>
-              <a:buChar char="○"/>
-            </a:pPr>
-            <a:r>
-              <a:rPr lang="en" sz="1800">
-                <a:solidFill>
-                  <a:srgbClr val="000000"/>
-                </a:solidFill>
-                <a:latin typeface="Raleway"/>
-                <a:ea typeface="Raleway"/>
-                <a:cs typeface="Raleway"/>
-                <a:sym typeface="Raleway"/>
-              </a:rPr>
-              <a:t>DLM3</a:t>
-            </a:r>
-            <a:endParaRPr sz="1800">
-              <a:solidFill>
-                <a:srgbClr val="000000"/>
-              </a:solidFill>
-              <a:latin typeface="Raleway"/>
-              <a:ea typeface="Raleway"/>
-              <a:cs typeface="Raleway"/>
-              <a:sym typeface="Raleway"/>
-            </a:endParaRPr>
-          </a:p>
-        </p:txBody>
-      </p:sp>
     </p:spTree>
   </p:cSld>
   <p:clrMapOvr>
@@ -11813,7 +12281,7 @@
           </a:bodyPr>
           <a:lstStyle/>
           <a:p>
-            <a:pPr indent="0" lvl="0" marL="0" rtl="0" algn="ctr">
+            <a:pPr indent="0" lvl="0" marL="0" rtl="0" algn="l">
               <a:spcBef>
                 <a:spcPts val="0"/>
               </a:spcBef>
@@ -11824,40 +12292,332 @@
             </a:pPr>
             <a:r>
               <a:rPr lang="en"/>
-              <a:t>Feature Importance</a:t>
+              <a:t>Model Building</a:t>
             </a:r>
             <a:endParaRPr/>
           </a:p>
         </p:txBody>
       </p:sp>
-      <p:pic>
-        <p:nvPicPr>
+      <p:sp>
+        <p:nvSpPr>
           <p:cNvPr id="135" name="Google Shape;135;p21"/>
-          <p:cNvPicPr preferRelativeResize="0"/>
-          <p:nvPr/>
-        </p:nvPicPr>
-        <p:blipFill>
-          <a:blip r:embed="rId3">
-            <a:alphaModFix/>
-          </a:blip>
-          <a:stretch>
-            <a:fillRect/>
-          </a:stretch>
-        </p:blipFill>
+          <p:cNvSpPr txBox="1"/>
+          <p:nvPr>
+            <p:ph idx="1" type="body"/>
+          </p:nvPr>
+        </p:nvSpPr>
         <p:spPr>
           <a:xfrm>
-            <a:off x="1248075" y="2009275"/>
-            <a:ext cx="6491100" cy="2749175"/>
+            <a:off x="729450" y="2060600"/>
+            <a:ext cx="7688700" cy="2712900"/>
           </a:xfrm>
           <a:prstGeom prst="rect">
             <a:avLst/>
           </a:prstGeom>
-          <a:noFill/>
-          <a:ln>
-            <a:noFill/>
-          </a:ln>
         </p:spPr>
-      </p:pic>
+        <p:txBody>
+          <a:bodyPr anchorCtr="0" anchor="t" bIns="91425" lIns="91425" spcFirstLastPara="1" rIns="91425" wrap="square" tIns="91425">
+            <a:noAutofit/>
+          </a:bodyPr>
+          <a:lstStyle/>
+          <a:p>
+            <a:pPr indent="-342900" lvl="0" marL="457200" rtl="0" algn="l">
+              <a:spcBef>
+                <a:spcPts val="0"/>
+              </a:spcBef>
+              <a:spcAft>
+                <a:spcPts val="0"/>
+              </a:spcAft>
+              <a:buClr>
+                <a:srgbClr val="000000"/>
+              </a:buClr>
+              <a:buSzPts val="1800"/>
+              <a:buFont typeface="Raleway"/>
+              <a:buChar char="●"/>
+            </a:pPr>
+            <a:r>
+              <a:rPr b="1" lang="en" sz="1800">
+                <a:solidFill>
+                  <a:srgbClr val="000000"/>
+                </a:solidFill>
+                <a:latin typeface="Raleway"/>
+                <a:ea typeface="Raleway"/>
+                <a:cs typeface="Raleway"/>
+                <a:sym typeface="Raleway"/>
+              </a:rPr>
+              <a:t>Machine Learning Models</a:t>
+            </a:r>
+            <a:endParaRPr b="1" sz="1800">
+              <a:solidFill>
+                <a:srgbClr val="000000"/>
+              </a:solidFill>
+              <a:latin typeface="Raleway"/>
+              <a:ea typeface="Raleway"/>
+              <a:cs typeface="Raleway"/>
+              <a:sym typeface="Raleway"/>
+            </a:endParaRPr>
+          </a:p>
+          <a:p>
+            <a:pPr indent="-342900" lvl="1" marL="914400" rtl="0" algn="l">
+              <a:spcBef>
+                <a:spcPts val="0"/>
+              </a:spcBef>
+              <a:spcAft>
+                <a:spcPts val="0"/>
+              </a:spcAft>
+              <a:buClr>
+                <a:srgbClr val="000000"/>
+              </a:buClr>
+              <a:buSzPts val="1800"/>
+              <a:buFont typeface="Raleway"/>
+              <a:buChar char="○"/>
+            </a:pPr>
+            <a:r>
+              <a:rPr lang="en" sz="1800">
+                <a:solidFill>
+                  <a:srgbClr val="000000"/>
+                </a:solidFill>
+                <a:latin typeface="Raleway"/>
+                <a:ea typeface="Raleway"/>
+                <a:cs typeface="Raleway"/>
+                <a:sym typeface="Raleway"/>
+              </a:rPr>
+              <a:t>Logistic Regression</a:t>
+            </a:r>
+            <a:endParaRPr sz="1800">
+              <a:solidFill>
+                <a:srgbClr val="000000"/>
+              </a:solidFill>
+              <a:latin typeface="Raleway"/>
+              <a:ea typeface="Raleway"/>
+              <a:cs typeface="Raleway"/>
+              <a:sym typeface="Raleway"/>
+            </a:endParaRPr>
+          </a:p>
+          <a:p>
+            <a:pPr indent="-342900" lvl="1" marL="914400" rtl="0" algn="l">
+              <a:spcBef>
+                <a:spcPts val="0"/>
+              </a:spcBef>
+              <a:spcAft>
+                <a:spcPts val="0"/>
+              </a:spcAft>
+              <a:buClr>
+                <a:srgbClr val="000000"/>
+              </a:buClr>
+              <a:buSzPts val="1800"/>
+              <a:buFont typeface="Raleway"/>
+              <a:buChar char="○"/>
+            </a:pPr>
+            <a:r>
+              <a:rPr lang="en" sz="1800">
+                <a:solidFill>
+                  <a:srgbClr val="000000"/>
+                </a:solidFill>
+                <a:latin typeface="Raleway"/>
+                <a:ea typeface="Raleway"/>
+                <a:cs typeface="Raleway"/>
+                <a:sym typeface="Raleway"/>
+              </a:rPr>
+              <a:t>Random Forest </a:t>
+            </a:r>
+            <a:endParaRPr sz="1800">
+              <a:solidFill>
+                <a:srgbClr val="000000"/>
+              </a:solidFill>
+              <a:latin typeface="Raleway"/>
+              <a:ea typeface="Raleway"/>
+              <a:cs typeface="Raleway"/>
+              <a:sym typeface="Raleway"/>
+            </a:endParaRPr>
+          </a:p>
+          <a:p>
+            <a:pPr indent="-342900" lvl="1" marL="914400" rtl="0" algn="l">
+              <a:spcBef>
+                <a:spcPts val="0"/>
+              </a:spcBef>
+              <a:spcAft>
+                <a:spcPts val="0"/>
+              </a:spcAft>
+              <a:buClr>
+                <a:srgbClr val="000000"/>
+              </a:buClr>
+              <a:buSzPts val="1800"/>
+              <a:buFont typeface="Raleway"/>
+              <a:buChar char="○"/>
+            </a:pPr>
+            <a:r>
+              <a:rPr lang="en" sz="1800">
+                <a:solidFill>
+                  <a:srgbClr val="000000"/>
+                </a:solidFill>
+                <a:latin typeface="Raleway"/>
+                <a:ea typeface="Raleway"/>
+                <a:cs typeface="Raleway"/>
+                <a:sym typeface="Raleway"/>
+              </a:rPr>
+              <a:t>Xtreme Gradient Boost</a:t>
+            </a:r>
+            <a:endParaRPr sz="1800">
+              <a:solidFill>
+                <a:srgbClr val="000000"/>
+              </a:solidFill>
+              <a:latin typeface="Raleway"/>
+              <a:ea typeface="Raleway"/>
+              <a:cs typeface="Raleway"/>
+              <a:sym typeface="Raleway"/>
+            </a:endParaRPr>
+          </a:p>
+          <a:p>
+            <a:pPr indent="-342900" lvl="0" marL="457200" rtl="0" algn="l">
+              <a:spcBef>
+                <a:spcPts val="0"/>
+              </a:spcBef>
+              <a:spcAft>
+                <a:spcPts val="0"/>
+              </a:spcAft>
+              <a:buClr>
+                <a:srgbClr val="000000"/>
+              </a:buClr>
+              <a:buSzPts val="1800"/>
+              <a:buFont typeface="Raleway"/>
+              <a:buChar char="●"/>
+            </a:pPr>
+            <a:r>
+              <a:rPr b="1" lang="en" sz="1800">
+                <a:solidFill>
+                  <a:srgbClr val="000000"/>
+                </a:solidFill>
+                <a:latin typeface="Raleway"/>
+                <a:ea typeface="Raleway"/>
+                <a:cs typeface="Raleway"/>
+                <a:sym typeface="Raleway"/>
+              </a:rPr>
+              <a:t>Deep Learning Models</a:t>
+            </a:r>
+            <a:endParaRPr b="1" sz="1800">
+              <a:solidFill>
+                <a:srgbClr val="000000"/>
+              </a:solidFill>
+              <a:latin typeface="Raleway"/>
+              <a:ea typeface="Raleway"/>
+              <a:cs typeface="Raleway"/>
+              <a:sym typeface="Raleway"/>
+            </a:endParaRPr>
+          </a:p>
+          <a:p>
+            <a:pPr indent="-342900" lvl="1" marL="914400" rtl="0" algn="l">
+              <a:spcBef>
+                <a:spcPts val="0"/>
+              </a:spcBef>
+              <a:spcAft>
+                <a:spcPts val="0"/>
+              </a:spcAft>
+              <a:buClr>
+                <a:srgbClr val="000000"/>
+              </a:buClr>
+              <a:buSzPts val="1800"/>
+              <a:buFont typeface="Raleway"/>
+              <a:buChar char="○"/>
+            </a:pPr>
+            <a:r>
+              <a:rPr lang="en" sz="1800">
+                <a:solidFill>
+                  <a:srgbClr val="000000"/>
+                </a:solidFill>
+                <a:latin typeface="Raleway"/>
+                <a:ea typeface="Raleway"/>
+                <a:cs typeface="Raleway"/>
+                <a:sym typeface="Raleway"/>
+              </a:rPr>
+              <a:t>DLM1</a:t>
+            </a:r>
+            <a:endParaRPr sz="1800">
+              <a:solidFill>
+                <a:srgbClr val="000000"/>
+              </a:solidFill>
+              <a:latin typeface="Raleway"/>
+              <a:ea typeface="Raleway"/>
+              <a:cs typeface="Raleway"/>
+              <a:sym typeface="Raleway"/>
+            </a:endParaRPr>
+          </a:p>
+          <a:p>
+            <a:pPr indent="-342900" lvl="1" marL="914400" rtl="0" algn="l">
+              <a:spcBef>
+                <a:spcPts val="0"/>
+              </a:spcBef>
+              <a:spcAft>
+                <a:spcPts val="0"/>
+              </a:spcAft>
+              <a:buClr>
+                <a:srgbClr val="000000"/>
+              </a:buClr>
+              <a:buSzPts val="1800"/>
+              <a:buFont typeface="Raleway"/>
+              <a:buChar char="○"/>
+            </a:pPr>
+            <a:r>
+              <a:rPr lang="en" sz="1800">
+                <a:solidFill>
+                  <a:srgbClr val="000000"/>
+                </a:solidFill>
+                <a:latin typeface="Raleway"/>
+                <a:ea typeface="Raleway"/>
+                <a:cs typeface="Raleway"/>
+                <a:sym typeface="Raleway"/>
+              </a:rPr>
+              <a:t>DLM2</a:t>
+            </a:r>
+            <a:endParaRPr sz="1800">
+              <a:solidFill>
+                <a:srgbClr val="000000"/>
+              </a:solidFill>
+              <a:latin typeface="Raleway"/>
+              <a:ea typeface="Raleway"/>
+              <a:cs typeface="Raleway"/>
+              <a:sym typeface="Raleway"/>
+            </a:endParaRPr>
+          </a:p>
+          <a:p>
+            <a:pPr indent="-342900" lvl="1" marL="914400" rtl="0" algn="l">
+              <a:spcBef>
+                <a:spcPts val="0"/>
+              </a:spcBef>
+              <a:spcAft>
+                <a:spcPts val="0"/>
+              </a:spcAft>
+              <a:buClr>
+                <a:srgbClr val="000000"/>
+              </a:buClr>
+              <a:buSzPts val="1800"/>
+              <a:buFont typeface="Raleway"/>
+              <a:buChar char="○"/>
+            </a:pPr>
+            <a:r>
+              <a:rPr lang="en" sz="1800">
+                <a:solidFill>
+                  <a:srgbClr val="000000"/>
+                </a:solidFill>
+                <a:latin typeface="Raleway"/>
+                <a:ea typeface="Raleway"/>
+                <a:cs typeface="Raleway"/>
+                <a:sym typeface="Raleway"/>
+              </a:rPr>
+              <a:t>DLM3</a:t>
+            </a:r>
+            <a:endParaRPr sz="1800">
+              <a:solidFill>
+                <a:srgbClr val="000000"/>
+              </a:solidFill>
+              <a:latin typeface="Raleway"/>
+              <a:ea typeface="Raleway"/>
+              <a:cs typeface="Raleway"/>
+              <a:sym typeface="Raleway"/>
+            </a:endParaRPr>
+          </a:p>
+        </p:txBody>
+      </p:sp>
     </p:spTree>
   </p:cSld>
   <p:clrMapOvr>
